--- a/PROPOSAL PPT.pptx
+++ b/PROPOSAL PPT.pptx
@@ -304,7 +304,7 @@
           <a:p>
             <a:fld id="{4AAD347D-5ACD-4C99-B74B-A9C85AD731AF}" type="datetimeFigureOut">
               <a:rPr lang="en-US" dirty="0"/>
-              <a:t>3/26/2020</a:t>
+              <a:t>4/7/2020</a:t>
             </a:fld>
             <a:endParaRPr lang="en-US" dirty="0"/>
           </a:p>
@@ -574,7 +574,7 @@
           <a:p>
             <a:fld id="{4509A250-FF31-4206-8172-F9D3106AACB1}" type="datetimeFigureOut">
               <a:rPr lang="en-US" dirty="0"/>
-              <a:t>3/26/2020</a:t>
+              <a:t>4/7/2020</a:t>
             </a:fld>
             <a:endParaRPr lang="en-US" dirty="0"/>
           </a:p>
@@ -763,7 +763,7 @@
           <a:p>
             <a:fld id="{4509A250-FF31-4206-8172-F9D3106AACB1}" type="datetimeFigureOut">
               <a:rPr lang="en-US" dirty="0"/>
-              <a:t>3/26/2020</a:t>
+              <a:t>4/7/2020</a:t>
             </a:fld>
             <a:endParaRPr lang="en-US" dirty="0"/>
           </a:p>
@@ -1031,7 +1031,7 @@
           <a:p>
             <a:fld id="{4509A250-FF31-4206-8172-F9D3106AACB1}" type="datetimeFigureOut">
               <a:rPr lang="en-US" dirty="0"/>
-              <a:t>3/26/2020</a:t>
+              <a:t>4/7/2020</a:t>
             </a:fld>
             <a:endParaRPr lang="en-US" dirty="0"/>
           </a:p>
@@ -1367,7 +1367,7 @@
           <a:p>
             <a:fld id="{4509A250-FF31-4206-8172-F9D3106AACB1}" type="datetimeFigureOut">
               <a:rPr lang="en-US" dirty="0"/>
-              <a:t>3/26/2020</a:t>
+              <a:t>4/7/2020</a:t>
             </a:fld>
             <a:endParaRPr lang="en-US" dirty="0"/>
           </a:p>
@@ -1985,7 +1985,7 @@
           <a:p>
             <a:fld id="{4509A250-FF31-4206-8172-F9D3106AACB1}" type="datetimeFigureOut">
               <a:rPr lang="en-US" dirty="0"/>
-              <a:t>3/26/2020</a:t>
+              <a:t>4/7/2020</a:t>
             </a:fld>
             <a:endParaRPr lang="en-US" dirty="0"/>
           </a:p>
@@ -2840,7 +2840,7 @@
           <a:p>
             <a:fld id="{4509A250-FF31-4206-8172-F9D3106AACB1}" type="datetimeFigureOut">
               <a:rPr lang="en-US" dirty="0"/>
-              <a:t>3/26/2020</a:t>
+              <a:t>4/7/2020</a:t>
             </a:fld>
             <a:endParaRPr lang="en-US" dirty="0"/>
           </a:p>
@@ -3005,7 +3005,7 @@
           <a:p>
             <a:fld id="{4509A250-FF31-4206-8172-F9D3106AACB1}" type="datetimeFigureOut">
               <a:rPr lang="en-US" dirty="0"/>
-              <a:t>3/26/2020</a:t>
+              <a:t>4/7/2020</a:t>
             </a:fld>
             <a:endParaRPr lang="en-US" dirty="0"/>
           </a:p>
@@ -3180,7 +3180,7 @@
           <a:p>
             <a:fld id="{4509A250-FF31-4206-8172-F9D3106AACB1}" type="datetimeFigureOut">
               <a:rPr lang="en-US" dirty="0"/>
-              <a:t>3/26/2020</a:t>
+              <a:t>4/7/2020</a:t>
             </a:fld>
             <a:endParaRPr lang="en-US" dirty="0"/>
           </a:p>
@@ -3345,7 +3345,7 @@
           <a:p>
             <a:fld id="{4509A250-FF31-4206-8172-F9D3106AACB1}" type="datetimeFigureOut">
               <a:rPr lang="en-US" dirty="0"/>
-              <a:t>3/26/2020</a:t>
+              <a:t>4/7/2020</a:t>
             </a:fld>
             <a:endParaRPr lang="en-US" dirty="0"/>
           </a:p>
@@ -3587,7 +3587,7 @@
           <a:p>
             <a:fld id="{9796027F-7875-4030-9381-8BD8C4F21935}" type="datetimeFigureOut">
               <a:rPr lang="en-US" dirty="0"/>
-              <a:t>3/26/2020</a:t>
+              <a:t>4/7/2020</a:t>
             </a:fld>
             <a:endParaRPr lang="en-US" dirty="0"/>
           </a:p>
@@ -3874,7 +3874,7 @@
           <a:p>
             <a:fld id="{9796027F-7875-4030-9381-8BD8C4F21935}" type="datetimeFigureOut">
               <a:rPr lang="en-US" dirty="0"/>
-              <a:t>3/26/2020</a:t>
+              <a:t>4/7/2020</a:t>
             </a:fld>
             <a:endParaRPr lang="en-US" dirty="0"/>
           </a:p>
@@ -4313,7 +4313,7 @@
           <a:p>
             <a:fld id="{9796027F-7875-4030-9381-8BD8C4F21935}" type="datetimeFigureOut">
               <a:rPr lang="en-US" dirty="0"/>
-              <a:t>3/26/2020</a:t>
+              <a:t>4/7/2020</a:t>
             </a:fld>
             <a:endParaRPr lang="en-US" dirty="0"/>
           </a:p>
@@ -4426,7 +4426,7 @@
           <a:p>
             <a:fld id="{4509A250-FF31-4206-8172-F9D3106AACB1}" type="datetimeFigureOut">
               <a:rPr lang="en-US" dirty="0"/>
-              <a:t>3/26/2020</a:t>
+              <a:t>4/7/2020</a:t>
             </a:fld>
             <a:endParaRPr lang="en-US" dirty="0"/>
           </a:p>
@@ -4516,7 +4516,7 @@
           <a:p>
             <a:fld id="{4509A250-FF31-4206-8172-F9D3106AACB1}" type="datetimeFigureOut">
               <a:rPr lang="en-US" dirty="0"/>
-              <a:t>3/26/2020</a:t>
+              <a:t>4/7/2020</a:t>
             </a:fld>
             <a:endParaRPr lang="en-US" dirty="0"/>
           </a:p>
@@ -4790,7 +4790,7 @@
           <a:p>
             <a:fld id="{4509A250-FF31-4206-8172-F9D3106AACB1}" type="datetimeFigureOut">
               <a:rPr lang="en-US" dirty="0"/>
-              <a:t>3/26/2020</a:t>
+              <a:t>4/7/2020</a:t>
             </a:fld>
             <a:endParaRPr lang="en-US" dirty="0"/>
           </a:p>
@@ -5060,7 +5060,7 @@
           <a:p>
             <a:fld id="{4509A250-FF31-4206-8172-F9D3106AACB1}" type="datetimeFigureOut">
               <a:rPr lang="en-US" dirty="0"/>
-              <a:t>3/26/2020</a:t>
+              <a:t>4/7/2020</a:t>
             </a:fld>
             <a:endParaRPr lang="en-US" dirty="0"/>
           </a:p>
@@ -5484,7 +5484,7 @@
           <a:p>
             <a:fld id="{4AAD347D-5ACD-4C99-B74B-A9C85AD731AF}" type="datetimeFigureOut">
               <a:rPr lang="en-US" dirty="0"/>
-              <a:t>3/26/2020</a:t>
+              <a:t>4/7/2020</a:t>
             </a:fld>
             <a:endParaRPr lang="en-US" dirty="0"/>
           </a:p>
@@ -6191,6 +6191,18 @@
             </a:r>
           </a:p>
           <a:p>
+            <a:r>
+              <a:rPr lang="en-US" dirty="0"/>
+              <a:t>Work Done So Far</a:t>
+            </a:r>
+          </a:p>
+          <a:p>
+            <a:r>
+              <a:rPr lang="en-US" dirty="0"/>
+              <a:t>Future Work In Increment-2</a:t>
+            </a:r>
+          </a:p>
+          <a:p>
             <a:pPr marL="0" indent="0">
               <a:buNone/>
             </a:pPr>
